--- a/Docs/Empathy Map Aktuell.pptx
+++ b/Docs/Empathy Map Aktuell.pptx
@@ -3200,7 +3200,10 @@
               <a:rPr lang="de-DE" dirty="0" err="1"/>
               <a:t>Map</a:t>
             </a:r>
-            <a:endParaRPr lang="de-DE" dirty="0"/>
+            <a:r>
+              <a:rPr lang="de-DE" dirty="0"/>
+              <a:t> Lena</a:t>
+            </a:r>
           </a:p>
         </p:txBody>
       </p:sp>
@@ -3913,7 +3916,10 @@
               <a:rPr lang="de-DE" dirty="0" err="1"/>
               <a:t>Map</a:t>
             </a:r>
-            <a:endParaRPr lang="de-DE" dirty="0"/>
+            <a:r>
+              <a:rPr lang="de-DE" dirty="0"/>
+              <a:t> Herbert</a:t>
+            </a:r>
           </a:p>
         </p:txBody>
       </p:sp>
@@ -5326,21 +5332,6 @@
 </file>
 
 <file path=customXml/item1.xml><?xml version="1.0" encoding="utf-8"?>
-<p:properties xmlns:p="http://schemas.microsoft.com/office/2006/metadata/properties" xmlns:xsi="http://www.w3.org/2001/XMLSchema-instance" xmlns:pc="http://schemas.microsoft.com/office/infopath/2007/PartnerControls">
-  <documentManagement/>
-</p:properties>
-</file>
-
-<file path=customXml/item2.xml><?xml version="1.0" encoding="utf-8"?>
-<?mso-contentType ?>
-<FormTemplates xmlns="http://schemas.microsoft.com/sharepoint/v3/contenttype/forms">
-  <Display>DocumentLibraryForm</Display>
-  <Edit>DocumentLibraryForm</Edit>
-  <New>DocumentLibraryForm</New>
-</FormTemplates>
-</file>
-
-<file path=customXml/item3.xml><?xml version="1.0" encoding="utf-8"?>
 <ct:contentTypeSchema xmlns:ct="http://schemas.microsoft.com/office/2006/metadata/contentType" xmlns:ma="http://schemas.microsoft.com/office/2006/metadata/properties/metaAttributes" ct:_="" ma:_="" ma:contentTypeName="Dokument" ma:contentTypeID="0x010100C3CF281051373D4796C8C37A57573E27" ma:contentTypeVersion="0" ma:contentTypeDescription="Ein neues Dokument erstellen." ma:contentTypeScope="" ma:versionID="8dfbeedf2c0aac0c8a2115f405c926fe">
   <xsd:schema xmlns:xsd="http://www.w3.org/2001/XMLSchema" xmlns:xs="http://www.w3.org/2001/XMLSchema" xmlns:p="http://schemas.microsoft.com/office/2006/metadata/properties" targetNamespace="http://schemas.microsoft.com/office/2006/metadata/properties" ma:root="true" ma:fieldsID="b4f5dc90cf06628c3b90945c8266c24d">
     <xsd:element name="properties">
@@ -5454,17 +5445,33 @@
 </ct:contentTypeSchema>
 </file>
 
+<file path=customXml/item2.xml><?xml version="1.0" encoding="utf-8"?>
+<?mso-contentType ?>
+<FormTemplates xmlns="http://schemas.microsoft.com/sharepoint/v3/contenttype/forms">
+  <Display>DocumentLibraryForm</Display>
+  <Edit>DocumentLibraryForm</Edit>
+  <New>DocumentLibraryForm</New>
+</FormTemplates>
+</file>
+
+<file path=customXml/item3.xml><?xml version="1.0" encoding="utf-8"?>
+<p:properties xmlns:p="http://schemas.microsoft.com/office/2006/metadata/properties" xmlns:xsi="http://www.w3.org/2001/XMLSchema-instance" xmlns:pc="http://schemas.microsoft.com/office/infopath/2007/PartnerControls">
+  <documentManagement/>
+</p:properties>
+</file>
+
 <file path=customXml/itemProps1.xml><?xml version="1.0" encoding="utf-8"?>
-<ds:datastoreItem xmlns:ds="http://schemas.openxmlformats.org/officeDocument/2006/customXml" ds:itemID="{7AECA3E6-3633-4397-B495-559E0FCCF70D}">
+<ds:datastoreItem xmlns:ds="http://schemas.openxmlformats.org/officeDocument/2006/customXml" ds:itemID="{B1FBE66F-27D3-4A44-A092-5B664C504A63}">
   <ds:schemaRefs>
+    <ds:schemaRef ds:uri="http://schemas.microsoft.com/office/2006/metadata/contentType"/>
+    <ds:schemaRef ds:uri="http://schemas.microsoft.com/office/2006/metadata/properties/metaAttributes"/>
+    <ds:schemaRef ds:uri="http://www.w3.org/2001/XMLSchema"/>
+    <ds:schemaRef ds:uri="http://schemas.microsoft.com/office/2006/metadata/properties"/>
+    <ds:schemaRef ds:uri="http://schemas.openxmlformats.org/package/2006/metadata/core-properties"/>
+    <ds:schemaRef ds:uri="http://purl.org/dc/elements/1.1/"/>
     <ds:schemaRef ds:uri="http://purl.org/dc/terms/"/>
-    <ds:schemaRef ds:uri="http://schemas.openxmlformats.org/package/2006/metadata/core-properties"/>
-    <ds:schemaRef ds:uri="http://schemas.microsoft.com/office/2006/documentManagement/types"/>
+    <ds:schemaRef ds:uri="http://schemas.microsoft.com/internal/obd"/>
     <ds:schemaRef ds:uri="http://schemas.microsoft.com/office/infopath/2007/PartnerControls"/>
-    <ds:schemaRef ds:uri="http://purl.org/dc/elements/1.1/"/>
-    <ds:schemaRef ds:uri="http://schemas.microsoft.com/office/2006/metadata/properties"/>
-    <ds:schemaRef ds:uri="http://www.w3.org/XML/1998/namespace"/>
-    <ds:schemaRef ds:uri="http://purl.org/dc/dcmitype/"/>
   </ds:schemaRefs>
 </ds:datastoreItem>
 </file>
@@ -5478,17 +5485,16 @@
 </file>
 
 <file path=customXml/itemProps3.xml><?xml version="1.0" encoding="utf-8"?>
-<ds:datastoreItem xmlns:ds="http://schemas.openxmlformats.org/officeDocument/2006/customXml" ds:itemID="{B1FBE66F-27D3-4A44-A092-5B664C504A63}">
+<ds:datastoreItem xmlns:ds="http://schemas.openxmlformats.org/officeDocument/2006/customXml" ds:itemID="{7AECA3E6-3633-4397-B495-559E0FCCF70D}">
   <ds:schemaRefs>
-    <ds:schemaRef ds:uri="http://schemas.microsoft.com/office/2006/metadata/contentType"/>
-    <ds:schemaRef ds:uri="http://schemas.microsoft.com/office/2006/metadata/properties/metaAttributes"/>
-    <ds:schemaRef ds:uri="http://www.w3.org/2001/XMLSchema"/>
+    <ds:schemaRef ds:uri="http://purl.org/dc/terms/"/>
+    <ds:schemaRef ds:uri="http://schemas.openxmlformats.org/package/2006/metadata/core-properties"/>
+    <ds:schemaRef ds:uri="http://schemas.microsoft.com/office/2006/documentManagement/types"/>
+    <ds:schemaRef ds:uri="http://schemas.microsoft.com/office/infopath/2007/PartnerControls"/>
+    <ds:schemaRef ds:uri="http://purl.org/dc/elements/1.1/"/>
     <ds:schemaRef ds:uri="http://schemas.microsoft.com/office/2006/metadata/properties"/>
-    <ds:schemaRef ds:uri="http://schemas.openxmlformats.org/package/2006/metadata/core-properties"/>
-    <ds:schemaRef ds:uri="http://purl.org/dc/elements/1.1/"/>
-    <ds:schemaRef ds:uri="http://purl.org/dc/terms/"/>
-    <ds:schemaRef ds:uri="http://schemas.microsoft.com/internal/obd"/>
-    <ds:schemaRef ds:uri="http://schemas.microsoft.com/office/infopath/2007/PartnerControls"/>
+    <ds:schemaRef ds:uri="http://www.w3.org/XML/1998/namespace"/>
+    <ds:schemaRef ds:uri="http://purl.org/dc/dcmitype/"/>
   </ds:schemaRefs>
 </ds:datastoreItem>
 </file>